--- a/presentations/IAM Philips presentation.pptx
+++ b/presentations/IAM Philips presentation.pptx
@@ -104,6 +104,11 @@
       </a:defRPr>
     </a:lvl9pPr>
   </p:defaultTextStyle>
+  <p:extLst>
+    <p:ext uri="{EFAFB233-063F-42B5-8137-9DF3F51BA10A}">
+      <p15:sldGuideLst xmlns:p15="http://schemas.microsoft.com/office/powerpoint/2012/main"/>
+    </p:ext>
+  </p:extLst>
 </p:presentation>
 </file>
 
@@ -3388,7 +3393,9 @@
         </p:nvSpPr>
         <p:spPr/>
         <p:txBody>
-          <a:bodyPr/>
+          <a:bodyPr>
+            <a:normAutofit fontScale="92500" lnSpcReduction="20000"/>
+          </a:bodyPr>
           <a:lstStyle/>
           <a:p>
             <a:pPr algn="l"/>
@@ -3448,11 +3455,20 @@
                 </a:solidFill>
                 <a:latin typeface="Calibri" panose="020F0502020204030204" pitchFamily="34" charset="0"/>
               </a:rPr>
-              <a:t>I can add it manually with python interface or add it in the excel sheet for South Africa.</a:t>
+              <a:t>I can add the commodity (cement) manually with python interface or add it in the excel sheet for South Africa.</a:t>
             </a:r>
           </a:p>
           <a:p>
             <a:pPr lvl="1"/>
+            <a:r>
+              <a:rPr lang="en-US" sz="1400" dirty="0">
+                <a:solidFill>
+                  <a:srgbClr val="000000"/>
+                </a:solidFill>
+                <a:latin typeface="Calibri" panose="020F0502020204030204" pitchFamily="34" charset="0"/>
+              </a:rPr>
+              <a:t>Add </a:t>
+            </a:r>
             <a:r>
               <a:rPr lang="en-US" sz="1400" b="0" i="0" u="none" strike="noStrike" baseline="0" dirty="0">
                 <a:solidFill>
@@ -3460,7 +3476,7 @@
                 </a:solidFill>
                 <a:latin typeface="Calibri" panose="020F0502020204030204" pitchFamily="34" charset="0"/>
               </a:rPr>
-              <a:t>I would make an initial simple model with no extra levels, and just one extra technology called “</a:t>
+              <a:t>one extra technology called “</a:t>
             </a:r>
             <a:r>
               <a:rPr lang="en-US" sz="1400" b="0" i="0" u="none" strike="noStrike" baseline="0" dirty="0" err="1">
@@ -3478,41 +3494,8 @@
                 </a:solidFill>
                 <a:latin typeface="Calibri" panose="020F0502020204030204" pitchFamily="34" charset="0"/>
               </a:rPr>
-              <a:t>”. </a:t>
-            </a:r>
-            <a:r>
-              <a:rPr lang="en-US" sz="1400" dirty="0">
-                <a:solidFill>
-                  <a:srgbClr val="000000"/>
-                </a:solidFill>
-                <a:latin typeface="Calibri" panose="020F0502020204030204" pitchFamily="34" charset="0"/>
-              </a:rPr>
-              <a:t>Later, one could add more technologies at other levels related to </a:t>
-            </a:r>
-            <a:r>
-              <a:rPr lang="en-US" sz="1400" i="1" dirty="0">
-                <a:solidFill>
-                  <a:srgbClr val="000000"/>
-                </a:solidFill>
-                <a:latin typeface="Calibri" panose="020F0502020204030204" pitchFamily="34" charset="0"/>
-              </a:rPr>
-              <a:t>e.g. </a:t>
-            </a:r>
-            <a:r>
-              <a:rPr lang="en-US" sz="1400" dirty="0">
-                <a:solidFill>
-                  <a:srgbClr val="000000"/>
-                </a:solidFill>
-                <a:latin typeface="Calibri" panose="020F0502020204030204" pitchFamily="34" charset="0"/>
-              </a:rPr>
-              <a:t>resource consumption. But most emissions are from the calcination process happening in the cement factory, so I will start there.</a:t>
-            </a:r>
-            <a:endParaRPr lang="en-US" sz="1400" b="0" i="0" u="none" strike="noStrike" baseline="0" dirty="0">
-              <a:solidFill>
-                <a:srgbClr val="000000"/>
-              </a:solidFill>
-              <a:latin typeface="Calibri" panose="020F0502020204030204" pitchFamily="34" charset="0"/>
-            </a:endParaRPr>
+              <a:t>” on the secondary level. Output of this technology creates the commodity cement with an input commodity of electricity. I can then play around with the conversation rate of electricity to cement. The demand would be to construct buildings, this could be related to population or GDP – something similar is done in the Westeros baseline example, I don’t know if I can do it like that?</a:t>
+            </a:r>
           </a:p>
           <a:p>
             <a:r>
@@ -3524,6 +3507,12 @@
               </a:rPr>
               <a:t>Possibly modify GAMS code to allow triggering commodity flows by construction/decommissioning</a:t>
             </a:r>
+            <a:endParaRPr lang="en-US" sz="1400" dirty="0">
+              <a:solidFill>
+                <a:srgbClr val="000000"/>
+              </a:solidFill>
+              <a:latin typeface="Calibri" panose="020F0502020204030204" pitchFamily="34" charset="0"/>
+            </a:endParaRPr>
           </a:p>
           <a:p>
             <a:pPr lvl="1"/>
@@ -3553,6 +3542,66 @@
               </a:rPr>
               <a:t>Quantify energy consumption and emissions connected to material use</a:t>
             </a:r>
+            <a:endParaRPr lang="en-US" sz="1400" dirty="0">
+              <a:solidFill>
+                <a:srgbClr val="000000"/>
+              </a:solidFill>
+              <a:latin typeface="Calibri" panose="020F0502020204030204" pitchFamily="34" charset="0"/>
+            </a:endParaRPr>
+          </a:p>
+          <a:p>
+            <a:pPr lvl="1"/>
+            <a:r>
+              <a:rPr lang="en-US" sz="1400" dirty="0">
+                <a:solidFill>
+                  <a:srgbClr val="000000"/>
+                </a:solidFill>
+                <a:latin typeface="Calibri" panose="020F0502020204030204" pitchFamily="34" charset="0"/>
+              </a:rPr>
+              <a:t>Emissions are mostly from the calcination process happening in the cement factory and from energy consumption needed for heating in the calcination process. Therefore, an emission factor is assigned directly to the </a:t>
+            </a:r>
+            <a:r>
+              <a:rPr lang="en-US" sz="1400" dirty="0" err="1">
+                <a:solidFill>
+                  <a:srgbClr val="000000"/>
+                </a:solidFill>
+                <a:latin typeface="Calibri" panose="020F0502020204030204" pitchFamily="34" charset="0"/>
+              </a:rPr>
+              <a:t>cement_factory</a:t>
+            </a:r>
+            <a:r>
+              <a:rPr lang="en-US" sz="1400" dirty="0">
+                <a:solidFill>
+                  <a:srgbClr val="000000"/>
+                </a:solidFill>
+                <a:latin typeface="Calibri" panose="020F0502020204030204" pitchFamily="34" charset="0"/>
+              </a:rPr>
+              <a:t> as well in units MtCO2eq/</a:t>
+            </a:r>
+            <a:r>
+              <a:rPr lang="en-US" sz="1400" dirty="0" err="1">
+                <a:solidFill>
+                  <a:srgbClr val="000000"/>
+                </a:solidFill>
+                <a:latin typeface="Calibri" panose="020F0502020204030204" pitchFamily="34" charset="0"/>
+              </a:rPr>
+              <a:t>MtCement</a:t>
+            </a:r>
+            <a:r>
+              <a:rPr lang="en-US" sz="1400" dirty="0">
+                <a:solidFill>
+                  <a:srgbClr val="000000"/>
+                </a:solidFill>
+                <a:latin typeface="Calibri" panose="020F0502020204030204" pitchFamily="34" charset="0"/>
+              </a:rPr>
+              <a:t>.</a:t>
+            </a:r>
+            <a:endParaRPr lang="en-US" sz="1400" b="0" i="0" u="none" strike="noStrike" baseline="0" dirty="0">
+              <a:solidFill>
+                <a:srgbClr val="000000"/>
+              </a:solidFill>
+              <a:latin typeface="Calibri" panose="020F0502020204030204" pitchFamily="34" charset="0"/>
+            </a:endParaRPr>
           </a:p>
           <a:p>
             <a:r>
@@ -3563,6 +3612,44 @@
                 <a:latin typeface="Calibri" panose="020F0502020204030204" pitchFamily="34" charset="0"/>
               </a:rPr>
               <a:t>Analyze substitution of products (via scenario analysis), incl. the impact on decarbonization</a:t>
+            </a:r>
+          </a:p>
+          <a:p>
+            <a:pPr lvl="1"/>
+            <a:r>
+              <a:rPr lang="en-US" sz="1400" dirty="0">
+                <a:solidFill>
+                  <a:srgbClr val="000000"/>
+                </a:solidFill>
+                <a:latin typeface="Calibri" panose="020F0502020204030204" pitchFamily="34" charset="0"/>
+              </a:rPr>
+              <a:t>This I have no idea how to include with MESSAGE. I could put a lower activity bound to a new technology and see how far up it is feasible </a:t>
+            </a:r>
+            <a:r>
+              <a:rPr lang="en-US" sz="1400">
+                <a:solidFill>
+                  <a:srgbClr val="000000"/>
+                </a:solidFill>
+                <a:latin typeface="Calibri" panose="020F0502020204030204" pitchFamily="34" charset="0"/>
+              </a:rPr>
+              <a:t>to take it maybe?</a:t>
+            </a:r>
+            <a:endParaRPr lang="en-US" sz="1400" dirty="0">
+              <a:solidFill>
+                <a:srgbClr val="000000"/>
+              </a:solidFill>
+              <a:latin typeface="Calibri" panose="020F0502020204030204" pitchFamily="34" charset="0"/>
+            </a:endParaRPr>
+          </a:p>
+          <a:p>
+            <a:r>
+              <a:rPr lang="en-US" sz="1800" b="0" i="0" u="none" strike="noStrike" baseline="0" dirty="0">
+                <a:solidFill>
+                  <a:srgbClr val="000000"/>
+                </a:solidFill>
+                <a:latin typeface="Calibri" panose="020F0502020204030204" pitchFamily="34" charset="0"/>
+              </a:rPr>
+              <a:t>“Extra”: Compare scenarios of low CO2-eq scenarios (constrains on emissions) by inserting results from the IAM and see how the scenarios look on other impact categories.</a:t>
             </a:r>
           </a:p>
         </p:txBody>
